--- a/Entra21_Sérgio/Résumé Questions.pptx
+++ b/Entra21_Sérgio/Résumé Questions.pptx
@@ -359,6 +359,7 @@
           <a:p>
             <a:fld id="{D6BAD052-F372-4797-95B3-5FB4C2A4B681}" type="datetimeFigureOut">
               <a:rPr lang="pt-BR" smtClean="0"/>
+              <a:pPr/>
               <a:t>16/07/2022</a:t>
             </a:fld>
             <a:endParaRPr lang="pt-BR"/>
@@ -401,6 +402,7 @@
           <a:p>
             <a:fld id="{AEBEFE47-67FC-46DD-B2F5-FB2C3CBBE86D}" type="slidenum">
               <a:rPr lang="pt-BR" smtClean="0"/>
+              <a:pPr/>
               <a:t>‹nº›</a:t>
             </a:fld>
             <a:endParaRPr lang="pt-BR"/>
@@ -582,6 +584,7 @@
           <a:p>
             <a:fld id="{D6BAD052-F372-4797-95B3-5FB4C2A4B681}" type="datetimeFigureOut">
               <a:rPr lang="pt-BR" smtClean="0"/>
+              <a:pPr/>
               <a:t>16/07/2022</a:t>
             </a:fld>
             <a:endParaRPr lang="pt-BR"/>
@@ -624,6 +627,7 @@
           <a:p>
             <a:fld id="{AEBEFE47-67FC-46DD-B2F5-FB2C3CBBE86D}" type="slidenum">
               <a:rPr lang="pt-BR" smtClean="0"/>
+              <a:pPr/>
               <a:t>‹nº›</a:t>
             </a:fld>
             <a:endParaRPr lang="pt-BR"/>
@@ -862,6 +866,7 @@
           <a:p>
             <a:fld id="{D6BAD052-F372-4797-95B3-5FB4C2A4B681}" type="datetimeFigureOut">
               <a:rPr lang="pt-BR" smtClean="0"/>
+              <a:pPr/>
               <a:t>16/07/2022</a:t>
             </a:fld>
             <a:endParaRPr lang="pt-BR"/>
@@ -909,6 +914,7 @@
           <a:p>
             <a:fld id="{AEBEFE47-67FC-46DD-B2F5-FB2C3CBBE86D}" type="slidenum">
               <a:rPr lang="pt-BR" smtClean="0"/>
+              <a:pPr/>
               <a:t>‹nº›</a:t>
             </a:fld>
             <a:endParaRPr lang="pt-BR"/>
@@ -1041,6 +1047,7 @@
           <a:p>
             <a:fld id="{D6BAD052-F372-4797-95B3-5FB4C2A4B681}" type="datetimeFigureOut">
               <a:rPr lang="pt-BR" smtClean="0"/>
+              <a:pPr/>
               <a:t>16/07/2022</a:t>
             </a:fld>
             <a:endParaRPr lang="pt-BR"/>
@@ -1083,6 +1090,7 @@
           <a:p>
             <a:fld id="{AEBEFE47-67FC-46DD-B2F5-FB2C3CBBE86D}" type="slidenum">
               <a:rPr lang="pt-BR" smtClean="0"/>
+              <a:pPr/>
               <a:t>‹nº›</a:t>
             </a:fld>
             <a:endParaRPr lang="pt-BR"/>
@@ -1399,6 +1407,7 @@
           <a:p>
             <a:fld id="{D6BAD052-F372-4797-95B3-5FB4C2A4B681}" type="datetimeFigureOut">
               <a:rPr lang="pt-BR" smtClean="0"/>
+              <a:pPr/>
               <a:t>16/07/2022</a:t>
             </a:fld>
             <a:endParaRPr lang="pt-BR"/>
@@ -1441,6 +1450,7 @@
           <a:p>
             <a:fld id="{AEBEFE47-67FC-46DD-B2F5-FB2C3CBBE86D}" type="slidenum">
               <a:rPr lang="pt-BR" smtClean="0"/>
+              <a:pPr/>
               <a:t>‹nº›</a:t>
             </a:fld>
             <a:endParaRPr lang="pt-BR"/>
@@ -1686,6 +1696,7 @@
           <a:p>
             <a:fld id="{D6BAD052-F372-4797-95B3-5FB4C2A4B681}" type="datetimeFigureOut">
               <a:rPr lang="pt-BR" smtClean="0"/>
+              <a:pPr/>
               <a:t>16/07/2022</a:t>
             </a:fld>
             <a:endParaRPr lang="pt-BR"/>
@@ -1728,6 +1739,7 @@
           <a:p>
             <a:fld id="{AEBEFE47-67FC-46DD-B2F5-FB2C3CBBE86D}" type="slidenum">
               <a:rPr lang="pt-BR" smtClean="0"/>
+              <a:pPr/>
               <a:t>‹nº›</a:t>
             </a:fld>
             <a:endParaRPr lang="pt-BR"/>
@@ -2108,6 +2120,7 @@
           <a:p>
             <a:fld id="{D6BAD052-F372-4797-95B3-5FB4C2A4B681}" type="datetimeFigureOut">
               <a:rPr lang="pt-BR" smtClean="0"/>
+              <a:pPr/>
               <a:t>16/07/2022</a:t>
             </a:fld>
             <a:endParaRPr lang="pt-BR"/>
@@ -2150,6 +2163,7 @@
           <a:p>
             <a:fld id="{AEBEFE47-67FC-46DD-B2F5-FB2C3CBBE86D}" type="slidenum">
               <a:rPr lang="pt-BR" smtClean="0"/>
+              <a:pPr/>
               <a:t>‹nº›</a:t>
             </a:fld>
             <a:endParaRPr lang="pt-BR"/>
@@ -2223,6 +2237,7 @@
           <a:p>
             <a:fld id="{D6BAD052-F372-4797-95B3-5FB4C2A4B681}" type="datetimeFigureOut">
               <a:rPr lang="pt-BR" smtClean="0"/>
+              <a:pPr/>
               <a:t>16/07/2022</a:t>
             </a:fld>
             <a:endParaRPr lang="pt-BR"/>
@@ -2265,6 +2280,7 @@
           <a:p>
             <a:fld id="{AEBEFE47-67FC-46DD-B2F5-FB2C3CBBE86D}" type="slidenum">
               <a:rPr lang="pt-BR" smtClean="0"/>
+              <a:pPr/>
               <a:t>‹nº›</a:t>
             </a:fld>
             <a:endParaRPr lang="pt-BR"/>
@@ -2313,6 +2329,7 @@
           <a:p>
             <a:fld id="{D6BAD052-F372-4797-95B3-5FB4C2A4B681}" type="datetimeFigureOut">
               <a:rPr lang="pt-BR" smtClean="0"/>
+              <a:pPr/>
               <a:t>16/07/2022</a:t>
             </a:fld>
             <a:endParaRPr lang="pt-BR"/>
@@ -2355,6 +2372,7 @@
           <a:p>
             <a:fld id="{AEBEFE47-67FC-46DD-B2F5-FB2C3CBBE86D}" type="slidenum">
               <a:rPr lang="pt-BR" smtClean="0"/>
+              <a:pPr/>
               <a:t>‹nº›</a:t>
             </a:fld>
             <a:endParaRPr lang="pt-BR"/>
@@ -2591,6 +2609,7 @@
           <a:p>
             <a:fld id="{D6BAD052-F372-4797-95B3-5FB4C2A4B681}" type="datetimeFigureOut">
               <a:rPr lang="pt-BR" smtClean="0"/>
+              <a:pPr/>
               <a:t>16/07/2022</a:t>
             </a:fld>
             <a:endParaRPr lang="pt-BR"/>
@@ -2633,6 +2652,7 @@
           <a:p>
             <a:fld id="{AEBEFE47-67FC-46DD-B2F5-FB2C3CBBE86D}" type="slidenum">
               <a:rPr lang="pt-BR" smtClean="0"/>
+              <a:pPr/>
               <a:t>‹nº›</a:t>
             </a:fld>
             <a:endParaRPr lang="pt-BR"/>
@@ -2957,6 +2977,7 @@
           <a:p>
             <a:fld id="{D6BAD052-F372-4797-95B3-5FB4C2A4B681}" type="datetimeFigureOut">
               <a:rPr lang="pt-BR" smtClean="0"/>
+              <a:pPr/>
               <a:t>16/07/2022</a:t>
             </a:fld>
             <a:endParaRPr lang="pt-BR"/>
@@ -3113,6 +3134,7 @@
           <a:p>
             <a:fld id="{AEBEFE47-67FC-46DD-B2F5-FB2C3CBBE86D}" type="slidenum">
               <a:rPr lang="pt-BR" smtClean="0"/>
+              <a:pPr/>
               <a:t>‹nº›</a:t>
             </a:fld>
             <a:endParaRPr lang="pt-BR"/>
@@ -3394,6 +3416,7 @@
           <a:p>
             <a:fld id="{D6BAD052-F372-4797-95B3-5FB4C2A4B681}" type="datetimeFigureOut">
               <a:rPr lang="pt-BR" smtClean="0"/>
+              <a:pPr/>
               <a:t>16/07/2022</a:t>
             </a:fld>
             <a:endParaRPr lang="pt-BR"/>
@@ -3474,6 +3497,7 @@
           <a:p>
             <a:fld id="{AEBEFE47-67FC-46DD-B2F5-FB2C3CBBE86D}" type="slidenum">
               <a:rPr lang="pt-BR" smtClean="0"/>
+              <a:pPr/>
               <a:t>‹nº›</a:t>
             </a:fld>
             <a:endParaRPr lang="pt-BR"/>
@@ -3856,11 +3880,7 @@
             </a:r>
             <a:r>
               <a:rPr lang="pt-BR" b="1" dirty="0" err="1" smtClean="0"/>
-              <a:t>M</a:t>
-            </a:r>
-            <a:r>
-              <a:rPr lang="pt-BR" b="1" dirty="0" err="1" smtClean="0"/>
-              <a:t>embers</a:t>
+              <a:t>Members</a:t>
             </a:r>
             <a:r>
               <a:rPr lang="pt-BR" dirty="0" smtClean="0"/>
@@ -5205,14 +5225,22 @@
             </a:r>
             <a:r>
               <a:rPr lang="pt-BR" b="1" dirty="0"/>
-              <a:t> i </a:t>
-            </a:r>
-            <a:r>
-              <a:rPr lang="pt-BR" b="1" dirty="0" err="1"/>
-              <a:t>worked</a:t>
-            </a:r>
-            <a:r>
-              <a:rPr lang="pt-BR" b="1" dirty="0"/>
+              <a:t> </a:t>
+            </a:r>
+            <a:r>
+              <a:rPr lang="pt-BR" b="1" dirty="0" smtClean="0"/>
+              <a:t>I, </a:t>
+            </a:r>
+            <a:r>
+              <a:rPr lang="pt-BR" b="1" dirty="0" err="1" smtClean="0"/>
+              <a:t>w</a:t>
+            </a:r>
+            <a:r>
+              <a:rPr lang="pt-BR" b="1" dirty="0" err="1" smtClean="0"/>
+              <a:t>orked</a:t>
+            </a:r>
+            <a:r>
+              <a:rPr lang="pt-BR" b="1" dirty="0" smtClean="0"/>
               <a:t> </a:t>
             </a:r>
             <a:r>

--- a/Entra21_Sérgio/Résumé Questions.pptx
+++ b/Entra21_Sérgio/Résumé Questions.pptx
@@ -10,6 +10,7 @@
     <p:sldId id="258" r:id="rId4"/>
     <p:sldId id="259" r:id="rId5"/>
     <p:sldId id="260" r:id="rId6"/>
+    <p:sldId id="261" r:id="rId7"/>
   </p:sldIdLst>
   <p:sldSz cx="9144000" cy="6858000" type="screen4x3"/>
   <p:notesSz cx="6858000" cy="9144000"/>
@@ -108,6 +109,22 @@
       </a:defRPr>
     </a:lvl9pPr>
   </p:defaultTextStyle>
+  <p:extLst>
+    <p:ext uri="{EFAFB233-063F-42B5-8137-9DF3F51BA10A}">
+      <p15:sldGuideLst xmlns:p15="http://schemas.microsoft.com/office/powerpoint/2012/main">
+        <p15:guide id="1" orient="horz" pos="2160">
+          <p15:clr>
+            <a:srgbClr val="A4A3A4"/>
+          </p15:clr>
+        </p15:guide>
+        <p15:guide id="2" pos="2880">
+          <p15:clr>
+            <a:srgbClr val="A4A3A4"/>
+          </p15:clr>
+        </p15:guide>
+      </p15:sldGuideLst>
+    </p:ext>
+  </p:extLst>
 </p:presentation>
 </file>
 
@@ -171,9 +188,7 @@
         </p:style>
         <p:txBody>
           <a:bodyPr rtlCol="0" anchor="ctr"/>
-          <a:lstStyle>
-            <a:extLst/>
-          </a:lstStyle>
+          <a:lstStyle/>
           <a:p>
             <a:pPr algn="ctr" eaLnBrk="1" latinLnBrk="0" hangingPunct="1"/>
             <a:endParaRPr kumimoji="0" lang="en-US"/>
@@ -360,7 +375,7 @@
             <a:fld id="{D6BAD052-F372-4797-95B3-5FB4C2A4B681}" type="datetimeFigureOut">
               <a:rPr lang="pt-BR" smtClean="0"/>
               <a:pPr/>
-              <a:t>16/07/2022</a:t>
+              <a:t>18/07/2022</a:t>
             </a:fld>
             <a:endParaRPr lang="pt-BR"/>
           </a:p>
@@ -454,9 +469,7 @@
         </p:style>
         <p:txBody>
           <a:bodyPr rtlCol="0" anchor="ctr"/>
-          <a:lstStyle>
-            <a:extLst/>
-          </a:lstStyle>
+          <a:lstStyle/>
           <a:p>
             <a:pPr algn="ctr" eaLnBrk="1" latinLnBrk="0" hangingPunct="1"/>
             <a:endParaRPr kumimoji="0" lang="en-US"/>
@@ -501,9 +514,7 @@
         <p:spPr/>
         <p:txBody>
           <a:bodyPr/>
-          <a:lstStyle>
-            <a:extLst/>
-          </a:lstStyle>
+          <a:lstStyle/>
           <a:p>
             <a:r>
               <a:rPr kumimoji="0" lang="pt-BR" smtClean="0"/>
@@ -526,9 +537,7 @@
         <p:spPr/>
         <p:txBody>
           <a:bodyPr vert="eaVert"/>
-          <a:lstStyle>
-            <a:extLst/>
-          </a:lstStyle>
+          <a:lstStyle/>
           <a:p>
             <a:pPr lvl="0" eaLnBrk="1" latinLnBrk="0" hangingPunct="1"/>
             <a:r>
@@ -585,7 +594,7 @@
             <a:fld id="{D6BAD052-F372-4797-95B3-5FB4C2A4B681}" type="datetimeFigureOut">
               <a:rPr lang="pt-BR" smtClean="0"/>
               <a:pPr/>
-              <a:t>16/07/2022</a:t>
+              <a:t>18/07/2022</a:t>
             </a:fld>
             <a:endParaRPr lang="pt-BR"/>
           </a:p>
@@ -704,9 +713,7 @@
         </p:style>
         <p:txBody>
           <a:bodyPr rtlCol="0" anchor="ctr"/>
-          <a:lstStyle>
-            <a:extLst/>
-          </a:lstStyle>
+          <a:lstStyle/>
           <a:p>
             <a:pPr algn="ctr" eaLnBrk="1" latinLnBrk="0" hangingPunct="1"/>
             <a:endParaRPr kumimoji="0" lang="en-US"/>
@@ -751,9 +758,7 @@
         </p:style>
         <p:txBody>
           <a:bodyPr rtlCol="0" anchor="ctr"/>
-          <a:lstStyle>
-            <a:extLst/>
-          </a:lstStyle>
+          <a:lstStyle/>
           <a:p>
             <a:pPr algn="ctr" eaLnBrk="1" latinLnBrk="0" hangingPunct="1"/>
             <a:endParaRPr kumimoji="0" lang="en-US"/>
@@ -778,9 +783,7 @@
         </p:spPr>
         <p:txBody>
           <a:bodyPr vert="eaVert"/>
-          <a:lstStyle>
-            <a:extLst/>
-          </a:lstStyle>
+          <a:lstStyle/>
           <a:p>
             <a:r>
               <a:rPr kumimoji="0" lang="pt-BR" smtClean="0"/>
@@ -808,9 +811,7 @@
         </p:spPr>
         <p:txBody>
           <a:bodyPr vert="eaVert"/>
-          <a:lstStyle>
-            <a:extLst/>
-          </a:lstStyle>
+          <a:lstStyle/>
           <a:p>
             <a:pPr lvl="0" eaLnBrk="1" latinLnBrk="0" hangingPunct="1"/>
             <a:r>
@@ -867,7 +868,7 @@
             <a:fld id="{D6BAD052-F372-4797-95B3-5FB4C2A4B681}" type="datetimeFigureOut">
               <a:rPr lang="pt-BR" smtClean="0"/>
               <a:pPr/>
-              <a:t>16/07/2022</a:t>
+              <a:t>18/07/2022</a:t>
             </a:fld>
             <a:endParaRPr lang="pt-BR"/>
           </a:p>
@@ -964,9 +965,7 @@
         </p:spPr>
         <p:txBody>
           <a:bodyPr/>
-          <a:lstStyle>
-            <a:extLst/>
-          </a:lstStyle>
+          <a:lstStyle/>
           <a:p>
             <a:r>
               <a:rPr kumimoji="0" lang="pt-BR" smtClean="0"/>
@@ -989,9 +988,7 @@
         <p:spPr/>
         <p:txBody>
           <a:bodyPr/>
-          <a:lstStyle>
-            <a:extLst/>
-          </a:lstStyle>
+          <a:lstStyle/>
           <a:p>
             <a:pPr lvl="0" eaLnBrk="1" latinLnBrk="0" hangingPunct="1"/>
             <a:r>
@@ -1048,7 +1045,7 @@
             <a:fld id="{D6BAD052-F372-4797-95B3-5FB4C2A4B681}" type="datetimeFigureOut">
               <a:rPr lang="pt-BR" smtClean="0"/>
               <a:pPr/>
-              <a:t>16/07/2022</a:t>
+              <a:t>18/07/2022</a:t>
             </a:fld>
             <a:endParaRPr lang="pt-BR"/>
           </a:p>
@@ -1165,9 +1162,7 @@
         </p:style>
         <p:txBody>
           <a:bodyPr rtlCol="0" anchor="ctr"/>
-          <a:lstStyle>
-            <a:extLst/>
-          </a:lstStyle>
+          <a:lstStyle/>
           <a:p>
             <a:pPr algn="ctr" eaLnBrk="1" latinLnBrk="0" hangingPunct="1"/>
             <a:endParaRPr kumimoji="0" lang="en-US"/>
@@ -1219,9 +1214,7 @@
         </p:style>
         <p:txBody>
           <a:bodyPr rtlCol="0" anchor="ctr"/>
-          <a:lstStyle>
-            <a:extLst/>
-          </a:lstStyle>
+          <a:lstStyle/>
           <a:p>
             <a:pPr algn="ctr" eaLnBrk="1" latinLnBrk="0" hangingPunct="1"/>
             <a:endParaRPr kumimoji="0" lang="en-US"/>
@@ -1408,7 +1401,7 @@
             <a:fld id="{D6BAD052-F372-4797-95B3-5FB4C2A4B681}" type="datetimeFigureOut">
               <a:rPr lang="pt-BR" smtClean="0"/>
               <a:pPr/>
-              <a:t>16/07/2022</a:t>
+              <a:t>18/07/2022</a:t>
             </a:fld>
             <a:endParaRPr lang="pt-BR"/>
           </a:p>
@@ -1495,9 +1488,7 @@
         <p:spPr/>
         <p:txBody>
           <a:bodyPr/>
-          <a:lstStyle>
-            <a:extLst/>
-          </a:lstStyle>
+          <a:lstStyle/>
           <a:p>
             <a:r>
               <a:rPr kumimoji="0" lang="pt-BR" smtClean="0"/>
@@ -1697,7 +1688,7 @@
             <a:fld id="{D6BAD052-F372-4797-95B3-5FB4C2A4B681}" type="datetimeFigureOut">
               <a:rPr lang="pt-BR" smtClean="0"/>
               <a:pPr/>
-              <a:t>16/07/2022</a:t>
+              <a:t>18/07/2022</a:t>
             </a:fld>
             <a:endParaRPr lang="pt-BR"/>
           </a:p>
@@ -2121,7 +2112,7 @@
             <a:fld id="{D6BAD052-F372-4797-95B3-5FB4C2A4B681}" type="datetimeFigureOut">
               <a:rPr lang="pt-BR" smtClean="0"/>
               <a:pPr/>
-              <a:t>16/07/2022</a:t>
+              <a:t>18/07/2022</a:t>
             </a:fld>
             <a:endParaRPr lang="pt-BR"/>
           </a:p>
@@ -2208,9 +2199,7 @@
         <p:spPr/>
         <p:txBody>
           <a:bodyPr/>
-          <a:lstStyle>
-            <a:extLst/>
-          </a:lstStyle>
+          <a:lstStyle/>
           <a:p>
             <a:r>
               <a:rPr kumimoji="0" lang="pt-BR" smtClean="0"/>
@@ -2238,7 +2227,7 @@
             <a:fld id="{D6BAD052-F372-4797-95B3-5FB4C2A4B681}" type="datetimeFigureOut">
               <a:rPr lang="pt-BR" smtClean="0"/>
               <a:pPr/>
-              <a:t>16/07/2022</a:t>
+              <a:t>18/07/2022</a:t>
             </a:fld>
             <a:endParaRPr lang="pt-BR"/>
           </a:p>
@@ -2330,7 +2319,7 @@
             <a:fld id="{D6BAD052-F372-4797-95B3-5FB4C2A4B681}" type="datetimeFigureOut">
               <a:rPr lang="pt-BR" smtClean="0"/>
               <a:pPr/>
-              <a:t>16/07/2022</a:t>
+              <a:t>18/07/2022</a:t>
             </a:fld>
             <a:endParaRPr lang="pt-BR"/>
           </a:p>
@@ -2610,7 +2599,7 @@
             <a:fld id="{D6BAD052-F372-4797-95B3-5FB4C2A4B681}" type="datetimeFigureOut">
               <a:rPr lang="pt-BR" smtClean="0"/>
               <a:pPr/>
-              <a:t>16/07/2022</a:t>
+              <a:t>18/07/2022</a:t>
             </a:fld>
             <a:endParaRPr lang="pt-BR"/>
           </a:p>
@@ -2697,9 +2686,7 @@
         </p:style>
         <p:txBody>
           <a:bodyPr rtlCol="0" anchor="ctr"/>
-          <a:lstStyle>
-            <a:extLst/>
-          </a:lstStyle>
+          <a:lstStyle/>
           <a:p>
             <a:pPr algn="ctr" eaLnBrk="1" latinLnBrk="0" hangingPunct="1"/>
             <a:endParaRPr kumimoji="0" lang="en-US"/>
@@ -2744,9 +2731,7 @@
         </p:style>
         <p:txBody>
           <a:bodyPr rtlCol="0" anchor="ctr"/>
-          <a:lstStyle>
-            <a:extLst/>
-          </a:lstStyle>
+          <a:lstStyle/>
           <a:p>
             <a:pPr algn="ctr" eaLnBrk="1" latinLnBrk="0" hangingPunct="1"/>
             <a:endParaRPr kumimoji="0" lang="en-US"/>
@@ -2978,7 +2963,7 @@
             <a:fld id="{D6BAD052-F372-4797-95B3-5FB4C2A4B681}" type="datetimeFigureOut">
               <a:rPr lang="pt-BR" smtClean="0"/>
               <a:pPr/>
-              <a:t>16/07/2022</a:t>
+              <a:t>18/07/2022</a:t>
             </a:fld>
             <a:endParaRPr lang="pt-BR"/>
           </a:p>
@@ -3022,9 +3007,7 @@
         </p:style>
         <p:txBody>
           <a:bodyPr rtlCol="0" anchor="ctr"/>
-          <a:lstStyle>
-            <a:extLst/>
-          </a:lstStyle>
+          <a:lstStyle/>
           <a:p>
             <a:pPr algn="ctr" eaLnBrk="1" latinLnBrk="0" hangingPunct="1"/>
             <a:endParaRPr kumimoji="0" lang="en-US"/>
@@ -3069,9 +3052,7 @@
         </p:style>
         <p:txBody>
           <a:bodyPr rtlCol="0" anchor="ctr"/>
-          <a:lstStyle>
-            <a:extLst/>
-          </a:lstStyle>
+          <a:lstStyle/>
           <a:p>
             <a:pPr algn="ctr" eaLnBrk="1" latinLnBrk="0" hangingPunct="1"/>
             <a:endParaRPr kumimoji="0" lang="en-US"/>
@@ -3216,9 +3197,7 @@
         </p:style>
         <p:txBody>
           <a:bodyPr rtlCol="0" anchor="ctr"/>
-          <a:lstStyle>
-            <a:extLst/>
-          </a:lstStyle>
+          <a:lstStyle/>
           <a:p>
             <a:pPr algn="ctr" eaLnBrk="1" latinLnBrk="0" hangingPunct="1"/>
             <a:endParaRPr kumimoji="0" lang="en-US"/>
@@ -3263,9 +3242,7 @@
         </p:style>
         <p:txBody>
           <a:bodyPr rtlCol="0" anchor="ctr"/>
-          <a:lstStyle>
-            <a:extLst/>
-          </a:lstStyle>
+          <a:lstStyle/>
           <a:p>
             <a:pPr algn="ctr" eaLnBrk="1" latinLnBrk="0" hangingPunct="1"/>
             <a:endParaRPr kumimoji="0" lang="en-US"/>
@@ -3304,9 +3281,7 @@
               <a:bevelT w="50800" h="10160"/>
             </a:sp3d>
           </a:bodyPr>
-          <a:lstStyle>
-            <a:extLst/>
-          </a:lstStyle>
+          <a:lstStyle/>
           <a:p>
             <a:r>
               <a:rPr kumimoji="0" lang="pt-BR" smtClean="0"/>
@@ -3339,9 +3314,7 @@
           <a:bodyPr vert="horz" lIns="54864" tIns="91440" rtlCol="0">
             <a:normAutofit/>
           </a:bodyPr>
-          <a:lstStyle>
-            <a:extLst/>
-          </a:lstStyle>
+          <a:lstStyle/>
           <a:p>
             <a:pPr lvl="0" eaLnBrk="1" latinLnBrk="0" hangingPunct="1"/>
             <a:r>
@@ -3417,7 +3390,7 @@
             <a:fld id="{D6BAD052-F372-4797-95B3-5FB4C2A4B681}" type="datetimeFigureOut">
               <a:rPr lang="pt-BR" smtClean="0"/>
               <a:pPr/>
-              <a:t>16/07/2022</a:t>
+              <a:t>18/07/2022</a:t>
             </a:fld>
             <a:endParaRPr lang="pt-BR"/>
           </a:p>
@@ -3911,6 +3884,13 @@
   <p:clrMapOvr>
     <a:masterClrMapping/>
   </p:clrMapOvr>
+  <p:timing>
+    <p:tnLst>
+      <p:par>
+        <p:cTn id="1" dur="indefinite" restart="never" nodeType="tmRoot"/>
+      </p:par>
+    </p:tnLst>
+  </p:timing>
 </p:sld>
 </file>
 
@@ -4699,6 +4679,13 @@
   <p:clrMapOvr>
     <a:masterClrMapping/>
   </p:clrMapOvr>
+  <p:timing>
+    <p:tnLst>
+      <p:par>
+        <p:cTn id="1" dur="indefinite" restart="never" nodeType="tmRoot"/>
+      </p:par>
+    </p:tnLst>
+  </p:timing>
 </p:sld>
 </file>
 
@@ -5233,11 +5220,7 @@
             </a:r>
             <a:r>
               <a:rPr lang="pt-BR" b="1" dirty="0" err="1" smtClean="0"/>
-              <a:t>w</a:t>
-            </a:r>
-            <a:r>
-              <a:rPr lang="pt-BR" b="1" dirty="0" err="1" smtClean="0"/>
-              <a:t>orked</a:t>
+              <a:t>worked</a:t>
             </a:r>
             <a:r>
               <a:rPr lang="pt-BR" b="1" dirty="0" smtClean="0"/>
@@ -5627,6 +5610,13 @@
   <p:clrMapOvr>
     <a:masterClrMapping/>
   </p:clrMapOvr>
+  <p:timing>
+    <p:tnLst>
+      <p:par>
+        <p:cTn id="1" dur="indefinite" restart="never" nodeType="tmRoot"/>
+      </p:par>
+    </p:tnLst>
+  </p:timing>
 </p:sld>
 </file>
 
@@ -6308,6 +6298,13 @@
   <p:clrMapOvr>
     <a:masterClrMapping/>
   </p:clrMapOvr>
+  <p:timing>
+    <p:tnLst>
+      <p:par>
+        <p:cTn id="1" dur="indefinite" restart="never" nodeType="tmRoot"/>
+      </p:par>
+    </p:tnLst>
+  </p:timing>
 </p:sld>
 </file>
 
@@ -6778,6 +6775,116 @@
   <p:clrMapOvr>
     <a:masterClrMapping/>
   </p:clrMapOvr>
+  <p:timing>
+    <p:tnLst>
+      <p:par>
+        <p:cTn id="1" dur="indefinite" restart="never" nodeType="tmRoot"/>
+      </p:par>
+    </p:tnLst>
+  </p:timing>
+</p:sld>
+</file>
+
+<file path=ppt/slides/slide6.xml><?xml version="1.0" encoding="utf-8"?>
+<p:sld xmlns:a="http://schemas.openxmlformats.org/drawingml/2006/main" xmlns:r="http://schemas.openxmlformats.org/officeDocument/2006/relationships" xmlns:p="http://schemas.openxmlformats.org/presentationml/2006/main">
+  <p:cSld>
+    <p:spTree>
+      <p:nvGrpSpPr>
+        <p:cNvPr id="1" name=""/>
+        <p:cNvGrpSpPr/>
+        <p:nvPr/>
+      </p:nvGrpSpPr>
+      <p:grpSpPr>
+        <a:xfrm>
+          <a:off x="0" y="0"/>
+          <a:ext cx="0" cy="0"/>
+          <a:chOff x="0" y="0"/>
+          <a:chExt cx="0" cy="0"/>
+        </a:xfrm>
+      </p:grpSpPr>
+      <p:sp>
+        <p:nvSpPr>
+          <p:cNvPr id="2" name="Título 1"/>
+          <p:cNvSpPr>
+            <a:spLocks noGrp="1"/>
+          </p:cNvSpPr>
+          <p:nvPr>
+            <p:ph type="title"/>
+          </p:nvPr>
+        </p:nvSpPr>
+        <p:spPr/>
+        <p:txBody>
+          <a:bodyPr>
+            <a:normAutofit fontScale="90000"/>
+          </a:bodyPr>
+          <a:lstStyle/>
+          <a:p>
+            <a:r>
+              <a:rPr lang="pt-BR" dirty="0"/>
+              <a:t/>
+            </a:r>
+            <a:br>
+              <a:rPr lang="pt-BR" dirty="0"/>
+            </a:br>
+            <a:r>
+              <a:rPr lang="pt-BR" b="0" dirty="0" err="1"/>
+              <a:t>Thanks</a:t>
+            </a:r>
+            <a:r>
+              <a:rPr lang="pt-BR" b="0" dirty="0"/>
+              <a:t> for </a:t>
+            </a:r>
+            <a:r>
+              <a:rPr lang="pt-BR" b="0" dirty="0" err="1"/>
+              <a:t>W</a:t>
+            </a:r>
+            <a:r>
+              <a:rPr lang="pt-BR" b="0" dirty="0" err="1" smtClean="0"/>
+              <a:t>atching</a:t>
+            </a:r>
+            <a:endParaRPr lang="pt-BR" dirty="0"/>
+          </a:p>
+        </p:txBody>
+      </p:sp>
+      <p:sp>
+        <p:nvSpPr>
+          <p:cNvPr id="3" name="Espaço Reservado para Conteúdo 2"/>
+          <p:cNvSpPr>
+            <a:spLocks noGrp="1"/>
+          </p:cNvSpPr>
+          <p:nvPr>
+            <p:ph idx="1"/>
+          </p:nvPr>
+        </p:nvSpPr>
+        <p:spPr/>
+        <p:txBody>
+          <a:bodyPr/>
+          <a:lstStyle/>
+          <a:p>
+            <a:pPr marL="118872" indent="0">
+              <a:buNone/>
+            </a:pPr>
+            <a:endParaRPr lang="pt-BR" dirty="0"/>
+          </a:p>
+        </p:txBody>
+      </p:sp>
+    </p:spTree>
+    <p:extLst>
+      <p:ext uri="{BB962C8B-B14F-4D97-AF65-F5344CB8AC3E}">
+        <p14:creationId xmlns:p14="http://schemas.microsoft.com/office/powerpoint/2010/main" val="1948886389"/>
+      </p:ext>
+    </p:extLst>
+  </p:cSld>
+  <p:clrMapOvr>
+    <a:masterClrMapping/>
+  </p:clrMapOvr>
+  <p:timing>
+    <p:tnLst>
+      <p:par>
+        <p:cTn id="1" dur="indefinite" restart="never" nodeType="tmRoot"/>
+      </p:par>
+    </p:tnLst>
+  </p:timing>
 </p:sld>
 </file>
 
